--- a/module-8-diagnosis/TFPGSlide.pptx
+++ b/module-8-diagnosis/TFPGSlide.pptx
@@ -5,10 +5,10 @@
     <p:sldMasterId id="2147483709" r:id="rId1"/>
   </p:sldMasterIdLst>
   <p:notesMasterIdLst>
-    <p:notesMasterId r:id="rId28"/>
+    <p:notesMasterId r:id="rId27"/>
   </p:notesMasterIdLst>
   <p:handoutMasterIdLst>
-    <p:handoutMasterId r:id="rId29"/>
+    <p:handoutMasterId r:id="rId28"/>
   </p:handoutMasterIdLst>
   <p:sldIdLst>
     <p:sldId id="372" r:id="rId2"/>
@@ -36,7 +36,6 @@
     <p:sldId id="507" r:id="rId24"/>
     <p:sldId id="542" r:id="rId25"/>
     <p:sldId id="543" r:id="rId26"/>
-    <p:sldId id="531" r:id="rId27"/>
   </p:sldIdLst>
   <p:sldSz cx="9144000" cy="6858000" type="screen4x3"/>
   <p:notesSz cx="7010400" cy="9296400"/>
@@ -1476,7 +1475,7 @@
           <a:p>
             <a:fld id="{FDDCF165-8DEC-459A-B3E7-3B809DA8E3D2}" type="datetimeFigureOut">
               <a:rPr lang="en-US" smtClean="0"/>
-              <a:t>10/19/2017</a:t>
+              <a:t>11/7/2019</a:t>
             </a:fld>
             <a:endParaRPr lang="en-US"/>
           </a:p>
@@ -1649,7 +1648,7 @@
           <a:p>
             <a:fld id="{FDDCF165-8DEC-459A-B3E7-3B809DA8E3D2}" type="datetimeFigureOut">
               <a:rPr lang="en-US" smtClean="0"/>
-              <a:t>10/19/2017</a:t>
+              <a:t>11/7/2019</a:t>
             </a:fld>
             <a:endParaRPr lang="en-US"/>
           </a:p>
@@ -1832,7 +1831,7 @@
           <a:p>
             <a:fld id="{FDDCF165-8DEC-459A-B3E7-3B809DA8E3D2}" type="datetimeFigureOut">
               <a:rPr lang="en-US" smtClean="0"/>
-              <a:t>10/19/2017</a:t>
+              <a:t>11/7/2019</a:t>
             </a:fld>
             <a:endParaRPr lang="en-US"/>
           </a:p>
@@ -2005,7 +2004,7 @@
           <a:p>
             <a:fld id="{FDDCF165-8DEC-459A-B3E7-3B809DA8E3D2}" type="datetimeFigureOut">
               <a:rPr lang="en-US" smtClean="0"/>
-              <a:t>10/19/2017</a:t>
+              <a:t>11/7/2019</a:t>
             </a:fld>
             <a:endParaRPr lang="en-US"/>
           </a:p>
@@ -2254,7 +2253,7 @@
           <a:p>
             <a:fld id="{FDDCF165-8DEC-459A-B3E7-3B809DA8E3D2}" type="datetimeFigureOut">
               <a:rPr lang="en-US" smtClean="0"/>
-              <a:t>10/19/2017</a:t>
+              <a:t>11/7/2019</a:t>
             </a:fld>
             <a:endParaRPr lang="en-US"/>
           </a:p>
@@ -2545,7 +2544,7 @@
           <a:p>
             <a:fld id="{FDDCF165-8DEC-459A-B3E7-3B809DA8E3D2}" type="datetimeFigureOut">
               <a:rPr lang="en-US" smtClean="0"/>
-              <a:t>10/19/2017</a:t>
+              <a:t>11/7/2019</a:t>
             </a:fld>
             <a:endParaRPr lang="en-US"/>
           </a:p>
@@ -2970,7 +2969,7 @@
           <a:p>
             <a:fld id="{FDDCF165-8DEC-459A-B3E7-3B809DA8E3D2}" type="datetimeFigureOut">
               <a:rPr lang="en-US" smtClean="0"/>
-              <a:t>10/19/2017</a:t>
+              <a:t>11/7/2019</a:t>
             </a:fld>
             <a:endParaRPr lang="en-US"/>
           </a:p>
@@ -3091,7 +3090,7 @@
           <a:p>
             <a:fld id="{FDDCF165-8DEC-459A-B3E7-3B809DA8E3D2}" type="datetimeFigureOut">
               <a:rPr lang="en-US" smtClean="0"/>
-              <a:t>10/19/2017</a:t>
+              <a:t>11/7/2019</a:t>
             </a:fld>
             <a:endParaRPr lang="en-US"/>
           </a:p>
@@ -3189,7 +3188,7 @@
           <a:p>
             <a:fld id="{FDDCF165-8DEC-459A-B3E7-3B809DA8E3D2}" type="datetimeFigureOut">
               <a:rPr lang="en-US" smtClean="0"/>
-              <a:t>10/19/2017</a:t>
+              <a:t>11/7/2019</a:t>
             </a:fld>
             <a:endParaRPr lang="en-US"/>
           </a:p>
@@ -3469,7 +3468,7 @@
           <a:p>
             <a:fld id="{FDDCF165-8DEC-459A-B3E7-3B809DA8E3D2}" type="datetimeFigureOut">
               <a:rPr lang="en-US" smtClean="0"/>
-              <a:t>10/19/2017</a:t>
+              <a:t>11/7/2019</a:t>
             </a:fld>
             <a:endParaRPr lang="en-US"/>
           </a:p>
@@ -3725,7 +3724,7 @@
           <a:p>
             <a:fld id="{FDDCF165-8DEC-459A-B3E7-3B809DA8E3D2}" type="datetimeFigureOut">
               <a:rPr lang="en-US" smtClean="0"/>
-              <a:t>10/19/2017</a:t>
+              <a:t>11/7/2019</a:t>
             </a:fld>
             <a:endParaRPr lang="en-US"/>
           </a:p>
@@ -3941,7 +3940,7 @@
           <a:p>
             <a:fld id="{FDDCF165-8DEC-459A-B3E7-3B809DA8E3D2}" type="datetimeFigureOut">
               <a:rPr lang="en-US" smtClean="0"/>
-              <a:t>10/19/2017</a:t>
+              <a:t>11/7/2019</a:t>
             </a:fld>
             <a:endParaRPr lang="en-US"/>
           </a:p>
@@ -9215,256 +9214,6 @@
 </p:sld>
 </file>
 
-<file path=ppt/slides/slide26.xml><?xml version="1.0" encoding="utf-8"?>
-<p:sld xmlns:a="http://schemas.openxmlformats.org/drawingml/2006/main" xmlns:r="http://schemas.openxmlformats.org/officeDocument/2006/relationships" xmlns:p="http://schemas.openxmlformats.org/presentationml/2006/main">
-  <p:cSld>
-    <p:spTree>
-      <p:nvGrpSpPr>
-        <p:cNvPr id="1" name=""/>
-        <p:cNvGrpSpPr/>
-        <p:nvPr/>
-      </p:nvGrpSpPr>
-      <p:grpSpPr>
-        <a:xfrm>
-          <a:off x="0" y="0"/>
-          <a:ext cx="0" cy="0"/>
-          <a:chOff x="0" y="0"/>
-          <a:chExt cx="0" cy="0"/>
-        </a:xfrm>
-      </p:grpSpPr>
-      <p:sp>
-        <p:nvSpPr>
-          <p:cNvPr id="2" name="Title 1"/>
-          <p:cNvSpPr>
-            <a:spLocks noGrp="1"/>
-          </p:cNvSpPr>
-          <p:nvPr>
-            <p:ph type="title"/>
-          </p:nvPr>
-        </p:nvSpPr>
-        <p:spPr/>
-        <p:txBody>
-          <a:bodyPr/>
-          <a:lstStyle/>
-          <a:p>
-            <a:r>
-              <a:rPr lang="en-US" dirty="0" smtClean="0"/>
-              <a:t>Next Week</a:t>
-            </a:r>
-            <a:endParaRPr lang="en-US" dirty="0"/>
-          </a:p>
-        </p:txBody>
-      </p:sp>
-      <p:sp>
-        <p:nvSpPr>
-          <p:cNvPr id="3" name="Content Placeholder 2"/>
-          <p:cNvSpPr>
-            <a:spLocks noGrp="1"/>
-          </p:cNvSpPr>
-          <p:nvPr>
-            <p:ph idx="1"/>
-          </p:nvPr>
-        </p:nvSpPr>
-        <p:spPr/>
-        <p:txBody>
-          <a:bodyPr/>
-          <a:lstStyle/>
-          <a:p>
-            <a:r>
-              <a:rPr lang="en-US" dirty="0" smtClean="0"/>
-              <a:t>Tuesday – JAVA Code Analysis – Daniel</a:t>
-            </a:r>
-          </a:p>
-          <a:p>
-            <a:r>
-              <a:rPr lang="en-US" dirty="0" smtClean="0"/>
-              <a:t>We will have presentations and discussions in class every Thursday from now on.</a:t>
-            </a:r>
-          </a:p>
-          <a:p>
-            <a:r>
-              <a:rPr lang="en-US" dirty="0" smtClean="0"/>
-              <a:t>Thursday: Sanchita will present : </a:t>
-            </a:r>
-            <a:endParaRPr lang="en-US" dirty="0"/>
-          </a:p>
-        </p:txBody>
-      </p:sp>
-      <p:graphicFrame>
-        <p:nvGraphicFramePr>
-          <p:cNvPr id="4" name="Table 3"/>
-          <p:cNvGraphicFramePr>
-            <a:graphicFrameLocks noGrp="1"/>
-          </p:cNvGraphicFramePr>
-          <p:nvPr>
-            <p:extLst>
-              <p:ext uri="{D42A27DB-BD31-4B8C-83A1-F6EECF244321}">
-                <p14:modId xmlns:p14="http://schemas.microsoft.com/office/powerpoint/2010/main" val="2844746721"/>
-              </p:ext>
-            </p:extLst>
-          </p:nvPr>
-        </p:nvGraphicFramePr>
-        <p:xfrm>
-          <a:off x="457200" y="4081885"/>
-          <a:ext cx="8229600" cy="231700"/>
-        </p:xfrm>
-        <a:graphic>
-          <a:graphicData uri="http://schemas.openxmlformats.org/drawingml/2006/table">
-            <a:tbl>
-              <a:tblPr/>
-              <a:tblGrid>
-                <a:gridCol w="1123181">
-                  <a:extLst>
-                    <a:ext uri="{9D8B030D-6E8A-4147-A177-3AD203B41FA5}">
-                      <a16:colId xmlns:a16="http://schemas.microsoft.com/office/drawing/2014/main" val="2177817872"/>
-                    </a:ext>
-                  </a:extLst>
-                </a:gridCol>
-                <a:gridCol w="7106419">
-                  <a:extLst>
-                    <a:ext uri="{9D8B030D-6E8A-4147-A177-3AD203B41FA5}">
-                      <a16:colId xmlns:a16="http://schemas.microsoft.com/office/drawing/2014/main" val="938453123"/>
-                    </a:ext>
-                  </a:extLst>
-                </a:gridCol>
-              </a:tblGrid>
-              <a:tr h="231700">
-                <a:tc>
-                  <a:txBody>
-                    <a:bodyPr/>
-                    <a:lstStyle/>
-                    <a:p>
-                      <a:pPr rtl="0" fontAlgn="b"/>
-                      <a:r>
-                        <a:rPr lang="en-US" sz="1300">
-                          <a:effectLst/>
-                        </a:rPr>
-                        <a:t>Sanchita Basak</a:t>
-                      </a:r>
-                    </a:p>
-                  </a:txBody>
-                  <a:tcPr marL="21192" marR="21192" marT="14128" marB="14128" anchor="b">
-                    <a:lnL w="9525" cap="flat" cmpd="sng" algn="ctr">
-                      <a:solidFill>
-                        <a:srgbClr val="CCCCCC"/>
-                      </a:solidFill>
-                      <a:prstDash val="solid"/>
-                      <a:round/>
-                      <a:headEnd type="none" w="med" len="med"/>
-                      <a:tailEnd type="none" w="med" len="med"/>
-                    </a:lnL>
-                    <a:lnR w="9525" cap="flat" cmpd="sng" algn="ctr">
-                      <a:solidFill>
-                        <a:srgbClr val="CCCCCC"/>
-                      </a:solidFill>
-                      <a:prstDash val="solid"/>
-                      <a:round/>
-                      <a:headEnd type="none" w="med" len="med"/>
-                      <a:tailEnd type="none" w="med" len="med"/>
-                    </a:lnR>
-                    <a:lnT w="9525" cap="flat" cmpd="sng" algn="ctr">
-                      <a:solidFill>
-                        <a:srgbClr val="CCCCCC"/>
-                      </a:solidFill>
-                      <a:prstDash val="solid"/>
-                      <a:round/>
-                      <a:headEnd type="none" w="med" len="med"/>
-                      <a:tailEnd type="none" w="med" len="med"/>
-                    </a:lnT>
-                    <a:lnB w="9525" cap="flat" cmpd="sng" algn="ctr">
-                      <a:solidFill>
-                        <a:srgbClr val="CCCCCC"/>
-                      </a:solidFill>
-                      <a:prstDash val="solid"/>
-                      <a:round/>
-                      <a:headEnd type="none" w="med" len="med"/>
-                      <a:tailEnd type="none" w="med" len="med"/>
-                    </a:lnB>
-                  </a:tcPr>
-                </a:tc>
-                <a:tc>
-                  <a:txBody>
-                    <a:bodyPr/>
-                    <a:lstStyle/>
-                    <a:p>
-                      <a:pPr rtl="0" fontAlgn="b"/>
-                      <a:r>
-                        <a:rPr lang="en-US" sz="900" b="0" dirty="0">
-                          <a:solidFill>
-                            <a:srgbClr val="24292E"/>
-                          </a:solidFill>
-                          <a:effectLst/>
-                          <a:latin typeface="-apple-system"/>
-                        </a:rPr>
-                        <a:t>Software Engineering for Self-Adaptive Systems: A Research Roadmap</a:t>
-                      </a:r>
-                    </a:p>
-                  </a:txBody>
-                  <a:tcPr marL="21192" marR="21192" marT="14128" marB="14128" anchor="b">
-                    <a:lnL w="9525" cap="flat" cmpd="sng" algn="ctr">
-                      <a:solidFill>
-                        <a:srgbClr val="CCCCCC"/>
-                      </a:solidFill>
-                      <a:prstDash val="solid"/>
-                      <a:round/>
-                      <a:headEnd type="none" w="med" len="med"/>
-                      <a:tailEnd type="none" w="med" len="med"/>
-                    </a:lnL>
-                    <a:lnR w="9525" cap="flat" cmpd="sng" algn="ctr">
-                      <a:solidFill>
-                        <a:srgbClr val="CCCCCC"/>
-                      </a:solidFill>
-                      <a:prstDash val="solid"/>
-                      <a:round/>
-                      <a:headEnd type="none" w="med" len="med"/>
-                      <a:tailEnd type="none" w="med" len="med"/>
-                    </a:lnR>
-                    <a:lnT w="9525" cap="flat" cmpd="sng" algn="ctr">
-                      <a:solidFill>
-                        <a:srgbClr val="CCCCCC"/>
-                      </a:solidFill>
-                      <a:prstDash val="solid"/>
-                      <a:round/>
-                      <a:headEnd type="none" w="med" len="med"/>
-                      <a:tailEnd type="none" w="med" len="med"/>
-                    </a:lnT>
-                    <a:lnB w="9525" cap="flat" cmpd="sng" algn="ctr">
-                      <a:solidFill>
-                        <a:srgbClr val="CCCCCC"/>
-                      </a:solidFill>
-                      <a:prstDash val="solid"/>
-                      <a:round/>
-                      <a:headEnd type="none" w="med" len="med"/>
-                      <a:tailEnd type="none" w="med" len="med"/>
-                    </a:lnB>
-                    <a:solidFill>
-                      <a:srgbClr val="FFFFFF"/>
-                    </a:solidFill>
-                  </a:tcPr>
-                </a:tc>
-                <a:extLst>
-                  <a:ext uri="{0D108BD9-81ED-4DB2-BD59-A6C34878D82A}">
-                    <a16:rowId xmlns:a16="http://schemas.microsoft.com/office/drawing/2014/main" val="1544855024"/>
-                  </a:ext>
-                </a:extLst>
-              </a:tr>
-            </a:tbl>
-          </a:graphicData>
-        </a:graphic>
-      </p:graphicFrame>
-    </p:spTree>
-    <p:extLst>
-      <p:ext uri="{BB962C8B-B14F-4D97-AF65-F5344CB8AC3E}">
-        <p14:creationId xmlns:p14="http://schemas.microsoft.com/office/powerpoint/2010/main" val="3678618420"/>
-      </p:ext>
-    </p:extLst>
-  </p:cSld>
-  <p:clrMapOvr>
-    <a:masterClrMapping/>
-  </p:clrMapOvr>
-</p:sld>
-</file>
-
 <file path=ppt/slides/slide3.xml><?xml version="1.0" encoding="utf-8"?>
 <p:sld xmlns:a="http://schemas.openxmlformats.org/drawingml/2006/main" xmlns:r="http://schemas.openxmlformats.org/officeDocument/2006/relationships" xmlns:p="http://schemas.openxmlformats.org/presentationml/2006/main">
   <p:cSld>
@@ -10198,6 +9947,13 @@
   <p:clrMapOvr>
     <a:masterClrMapping/>
   </p:clrMapOvr>
+  <p:timing>
+    <p:tnLst>
+      <p:par>
+        <p:cTn id="1" dur="indefinite" restart="never" nodeType="tmRoot"/>
+      </p:par>
+    </p:tnLst>
+  </p:timing>
 </p:sld>
 </file>
 
@@ -12466,6 +12222,13 @@
   <p:clrMapOvr>
     <a:masterClrMapping/>
   </p:clrMapOvr>
+  <p:timing>
+    <p:tnLst>
+      <p:par>
+        <p:cTn id="1" dur="indefinite" restart="never" nodeType="tmRoot"/>
+      </p:par>
+    </p:tnLst>
+  </p:timing>
 </p:sld>
 </file>
 
@@ -12620,6 +12383,13 @@
   <p:clrMapOvr>
     <a:masterClrMapping/>
   </p:clrMapOvr>
+  <p:timing>
+    <p:tnLst>
+      <p:par>
+        <p:cTn id="1" dur="indefinite" restart="never" nodeType="tmRoot"/>
+      </p:par>
+    </p:tnLst>
+  </p:timing>
 </p:sld>
 </file>
 
